--- a/Presentation.pptx
+++ b/Presentation.pptx
@@ -20,6 +20,7 @@
     <p:sldId id="266" r:id="rId15"/>
     <p:sldId id="267" r:id="rId16"/>
     <p:sldId id="268" r:id="rId17"/>
+    <p:sldId id="269" r:id="rId18"/>
   </p:sldIdLst>
   <p:sldSz cx="10080625" cy="7559675"/>
   <p:notesSz cx="7772400" cy="10058400"/>
@@ -4464,105 +4465,7 @@
                 </a:uFill>
                 <a:latin typeface="Arial"/>
               </a:rPr>
-              <a:t>Clic</a:t>
-            </a:r>
-            <a:r>
-              <a:rPr b="0" lang="en-US" sz="4400" spc="-1" strike="noStrike">
-                <a:solidFill>
-                  <a:srgbClr val="000000"/>
-                </a:solidFill>
-                <a:uFill>
-                  <a:solidFill>
-                    <a:srgbClr val="ffffff"/>
-                  </a:solidFill>
-                </a:uFill>
-                <a:latin typeface="Arial"/>
-              </a:rPr>
-              <a:t>k to </a:t>
-            </a:r>
-            <a:r>
-              <a:rPr b="0" lang="en-US" sz="4400" spc="-1" strike="noStrike">
-                <a:solidFill>
-                  <a:srgbClr val="000000"/>
-                </a:solidFill>
-                <a:uFill>
-                  <a:solidFill>
-                    <a:srgbClr val="ffffff"/>
-                  </a:solidFill>
-                </a:uFill>
-                <a:latin typeface="Arial"/>
-              </a:rPr>
-              <a:t>edit </a:t>
-            </a:r>
-            <a:r>
-              <a:rPr b="0" lang="en-US" sz="4400" spc="-1" strike="noStrike">
-                <a:solidFill>
-                  <a:srgbClr val="000000"/>
-                </a:solidFill>
-                <a:uFill>
-                  <a:solidFill>
-                    <a:srgbClr val="ffffff"/>
-                  </a:solidFill>
-                </a:uFill>
-                <a:latin typeface="Arial"/>
-              </a:rPr>
-              <a:t>the </a:t>
-            </a:r>
-            <a:r>
-              <a:rPr b="0" lang="en-US" sz="4400" spc="-1" strike="noStrike">
-                <a:solidFill>
-                  <a:srgbClr val="000000"/>
-                </a:solidFill>
-                <a:uFill>
-                  <a:solidFill>
-                    <a:srgbClr val="ffffff"/>
-                  </a:solidFill>
-                </a:uFill>
-                <a:latin typeface="Arial"/>
-              </a:rPr>
-              <a:t>title </a:t>
-            </a:r>
-            <a:r>
-              <a:rPr b="0" lang="en-US" sz="4400" spc="-1" strike="noStrike">
-                <a:solidFill>
-                  <a:srgbClr val="000000"/>
-                </a:solidFill>
-                <a:uFill>
-                  <a:solidFill>
-                    <a:srgbClr val="ffffff"/>
-                  </a:solidFill>
-                </a:uFill>
-                <a:latin typeface="Arial"/>
-              </a:rPr>
-              <a:t>text </a:t>
-            </a:r>
-            <a:r>
-              <a:rPr b="0" lang="en-US" sz="4400" spc="-1" strike="noStrike">
-                <a:solidFill>
-                  <a:srgbClr val="000000"/>
-                </a:solidFill>
-                <a:uFill>
-                  <a:solidFill>
-                    <a:srgbClr val="ffffff"/>
-                  </a:solidFill>
-                </a:uFill>
-                <a:latin typeface="Arial"/>
-              </a:rPr>
-              <a:t>form</a:t>
-            </a:r>
-            <a:r>
-              <a:rPr b="0" lang="en-US" sz="4400" spc="-1" strike="noStrike">
-                <a:solidFill>
-                  <a:srgbClr val="000000"/>
-                </a:solidFill>
-                <a:uFill>
-                  <a:solidFill>
-                    <a:srgbClr val="ffffff"/>
-                  </a:solidFill>
-                </a:uFill>
-                <a:latin typeface="Arial"/>
-              </a:rPr>
-              <a:t>at</a:t>
+              <a:t>Click to edit the title text format</a:t>
             </a:r>
             <a:endParaRPr b="0" lang="en-US" sz="4400" spc="-1" strike="noStrike">
               <a:solidFill>
@@ -4880,7 +4783,7 @@
                 </a:uFill>
                 <a:latin typeface="Times New Roman"/>
               </a:rPr>
-              <a:t>&lt;date/time&gt;</a:t>
+              <a:t> </a:t>
             </a:r>
             <a:endParaRPr b="0" lang="en-US" sz="1400" spc="-1" strike="noStrike">
               <a:solidFill>
@@ -4931,7 +4834,7 @@
                 </a:uFill>
                 <a:latin typeface="Times New Roman"/>
               </a:rPr>
-              <a:t>&lt;footer&gt;</a:t>
+              <a:t> </a:t>
             </a:r>
             <a:endParaRPr b="0" lang="en-US" sz="1400" spc="-1" strike="noStrike">
               <a:solidFill>
@@ -4970,7 +4873,7 @@
           <a:bodyPr lIns="0" rIns="0" tIns="0" bIns="0"/>
           <a:p>
             <a:pPr algn="r"/>
-            <a:fld id="{76880CFE-4005-4221-B71F-4D5A15B1A251}" type="slidenum">
+            <a:fld id="{C0780F4C-C191-489F-8011-FB772080B47F}" type="slidenum">
               <a:rPr b="0" lang="en-US" sz="1400" spc="-1" strike="noStrike">
                 <a:solidFill>
                   <a:srgbClr val="000000"/>
@@ -4982,7 +4885,7 @@
                 </a:uFill>
                 <a:latin typeface="Times New Roman"/>
               </a:rPr>
-              <a:t>&lt;number&gt;</a:t>
+              <a:t>14</a:t>
             </a:fld>
             <a:endParaRPr b="0" lang="en-US" sz="1400" spc="-1" strike="noStrike">
               <a:solidFill>
@@ -5097,105 +5000,7 @@
                 </a:uFill>
                 <a:latin typeface="Source Sans Pro Black"/>
               </a:rPr>
-              <a:t>Click </a:t>
-            </a:r>
-            <a:r>
-              <a:rPr b="1" lang="en-US" sz="3200" spc="-1" strike="noStrike">
-                <a:solidFill>
-                  <a:srgbClr val="ffffff"/>
-                </a:solidFill>
-                <a:uFill>
-                  <a:solidFill>
-                    <a:srgbClr val="ffffff"/>
-                  </a:solidFill>
-                </a:uFill>
-                <a:latin typeface="Source Sans Pro Black"/>
-              </a:rPr>
-              <a:t>to </a:t>
-            </a:r>
-            <a:r>
-              <a:rPr b="1" lang="en-US" sz="3200" spc="-1" strike="noStrike">
-                <a:solidFill>
-                  <a:srgbClr val="ffffff"/>
-                </a:solidFill>
-                <a:uFill>
-                  <a:solidFill>
-                    <a:srgbClr val="ffffff"/>
-                  </a:solidFill>
-                </a:uFill>
-                <a:latin typeface="Source Sans Pro Black"/>
-              </a:rPr>
-              <a:t>edit </a:t>
-            </a:r>
-            <a:r>
-              <a:rPr b="1" lang="en-US" sz="3200" spc="-1" strike="noStrike">
-                <a:solidFill>
-                  <a:srgbClr val="ffffff"/>
-                </a:solidFill>
-                <a:uFill>
-                  <a:solidFill>
-                    <a:srgbClr val="ffffff"/>
-                  </a:solidFill>
-                </a:uFill>
-                <a:latin typeface="Source Sans Pro Black"/>
-              </a:rPr>
-              <a:t>the </a:t>
-            </a:r>
-            <a:r>
-              <a:rPr b="1" lang="en-US" sz="3200" spc="-1" strike="noStrike">
-                <a:solidFill>
-                  <a:srgbClr val="ffffff"/>
-                </a:solidFill>
-                <a:uFill>
-                  <a:solidFill>
-                    <a:srgbClr val="ffffff"/>
-                  </a:solidFill>
-                </a:uFill>
-                <a:latin typeface="Source Sans Pro Black"/>
-              </a:rPr>
-              <a:t>title </a:t>
-            </a:r>
-            <a:r>
-              <a:rPr b="1" lang="en-US" sz="3200" spc="-1" strike="noStrike">
-                <a:solidFill>
-                  <a:srgbClr val="ffffff"/>
-                </a:solidFill>
-                <a:uFill>
-                  <a:solidFill>
-                    <a:srgbClr val="ffffff"/>
-                  </a:solidFill>
-                </a:uFill>
-                <a:latin typeface="Source Sans Pro Black"/>
-              </a:rPr>
-              <a:t>text </a:t>
-            </a:r>
-            <a:r>
-              <a:rPr b="1" lang="en-US" sz="3200" spc="-1" strike="noStrike">
-                <a:solidFill>
-                  <a:srgbClr val="ffffff"/>
-                </a:solidFill>
-                <a:uFill>
-                  <a:solidFill>
-                    <a:srgbClr val="ffffff"/>
-                  </a:solidFill>
-                </a:uFill>
-                <a:latin typeface="Source Sans Pro Black"/>
-              </a:rPr>
-              <a:t>form</a:t>
-            </a:r>
-            <a:r>
-              <a:rPr b="1" lang="en-US" sz="3200" spc="-1" strike="noStrike">
-                <a:solidFill>
-                  <a:srgbClr val="ffffff"/>
-                </a:solidFill>
-                <a:uFill>
-                  <a:solidFill>
-                    <a:srgbClr val="ffffff"/>
-                  </a:solidFill>
-                </a:uFill>
-                <a:latin typeface="Source Sans Pro Black"/>
-              </a:rPr>
-              <a:t>at</a:t>
+              <a:t>Click to edit the title text format</a:t>
             </a:r>
             <a:endParaRPr b="1" lang="en-US" sz="3200" spc="-1" strike="noStrike">
               <a:solidFill>
@@ -5464,7 +5269,7 @@
                 </a:uFill>
                 <a:latin typeface="Source Sans Pro Black"/>
               </a:rPr>
-              <a:t>&lt;date/time&gt;</a:t>
+              <a:t> </a:t>
             </a:r>
             <a:endParaRPr b="1" lang="en-US" sz="1800" spc="-1" strike="noStrike">
               <a:solidFill>
@@ -5515,7 +5320,7 @@
                 </a:uFill>
                 <a:latin typeface="Source Sans Pro Black"/>
               </a:rPr>
-              <a:t>&lt;footer&gt;</a:t>
+              <a:t> </a:t>
             </a:r>
             <a:endParaRPr b="1" lang="en-US" sz="1800" spc="-1" strike="noStrike">
               <a:solidFill>
@@ -5554,7 +5359,7 @@
           <a:bodyPr lIns="0" rIns="0" tIns="0" bIns="0"/>
           <a:p>
             <a:pPr algn="r"/>
-            <a:fld id="{93A11A1D-26DA-4100-A218-F22E6154CCA7}" type="slidenum">
+            <a:fld id="{0096896F-7365-46BF-A086-2FBF421B35E3}" type="slidenum">
               <a:rPr b="1" lang="en-US" sz="1800" spc="-1" strike="noStrike">
                 <a:solidFill>
                   <a:srgbClr val="ffffff"/>
@@ -5566,7 +5371,7 @@
                 </a:uFill>
                 <a:latin typeface="Source Sans Pro Black"/>
               </a:rPr>
-              <a:t>&lt;number&gt;</a:t>
+              <a:t>1</a:t>
             </a:fld>
             <a:endParaRPr b="1" lang="en-US" sz="1800" spc="-1" strike="noStrike">
               <a:solidFill>
@@ -5765,7 +5570,105 @@
                 </a:uFill>
                 <a:latin typeface="Source Sans Pro Black"/>
               </a:rPr>
-              <a:t>Click to edit the title text format</a:t>
+              <a:t>Click </a:t>
+            </a:r>
+            <a:r>
+              <a:rPr b="1" lang="en-US" sz="3010" spc="-1" strike="noStrike">
+                <a:solidFill>
+                  <a:srgbClr val="ffffff"/>
+                </a:solidFill>
+                <a:uFill>
+                  <a:solidFill>
+                    <a:srgbClr val="ffffff"/>
+                  </a:solidFill>
+                </a:uFill>
+                <a:latin typeface="Source Sans Pro Black"/>
+              </a:rPr>
+              <a:t>to </a:t>
+            </a:r>
+            <a:r>
+              <a:rPr b="1" lang="en-US" sz="3010" spc="-1" strike="noStrike">
+                <a:solidFill>
+                  <a:srgbClr val="ffffff"/>
+                </a:solidFill>
+                <a:uFill>
+                  <a:solidFill>
+                    <a:srgbClr val="ffffff"/>
+                  </a:solidFill>
+                </a:uFill>
+                <a:latin typeface="Source Sans Pro Black"/>
+              </a:rPr>
+              <a:t>edit </a:t>
+            </a:r>
+            <a:r>
+              <a:rPr b="1" lang="en-US" sz="3010" spc="-1" strike="noStrike">
+                <a:solidFill>
+                  <a:srgbClr val="ffffff"/>
+                </a:solidFill>
+                <a:uFill>
+                  <a:solidFill>
+                    <a:srgbClr val="ffffff"/>
+                  </a:solidFill>
+                </a:uFill>
+                <a:latin typeface="Source Sans Pro Black"/>
+              </a:rPr>
+              <a:t>the </a:t>
+            </a:r>
+            <a:r>
+              <a:rPr b="1" lang="en-US" sz="3010" spc="-1" strike="noStrike">
+                <a:solidFill>
+                  <a:srgbClr val="ffffff"/>
+                </a:solidFill>
+                <a:uFill>
+                  <a:solidFill>
+                    <a:srgbClr val="ffffff"/>
+                  </a:solidFill>
+                </a:uFill>
+                <a:latin typeface="Source Sans Pro Black"/>
+              </a:rPr>
+              <a:t>title </a:t>
+            </a:r>
+            <a:r>
+              <a:rPr b="1" lang="en-US" sz="3010" spc="-1" strike="noStrike">
+                <a:solidFill>
+                  <a:srgbClr val="ffffff"/>
+                </a:solidFill>
+                <a:uFill>
+                  <a:solidFill>
+                    <a:srgbClr val="ffffff"/>
+                  </a:solidFill>
+                </a:uFill>
+                <a:latin typeface="Source Sans Pro Black"/>
+              </a:rPr>
+              <a:t>text </a:t>
+            </a:r>
+            <a:r>
+              <a:rPr b="1" lang="en-US" sz="3010" spc="-1" strike="noStrike">
+                <a:solidFill>
+                  <a:srgbClr val="ffffff"/>
+                </a:solidFill>
+                <a:uFill>
+                  <a:solidFill>
+                    <a:srgbClr val="ffffff"/>
+                  </a:solidFill>
+                </a:uFill>
+                <a:latin typeface="Source Sans Pro Black"/>
+              </a:rPr>
+              <a:t>form</a:t>
+            </a:r>
+            <a:r>
+              <a:rPr b="1" lang="en-US" sz="3010" spc="-1" strike="noStrike">
+                <a:solidFill>
+                  <a:srgbClr val="ffffff"/>
+                </a:solidFill>
+                <a:uFill>
+                  <a:solidFill>
+                    <a:srgbClr val="ffffff"/>
+                  </a:solidFill>
+                </a:uFill>
+                <a:latin typeface="Source Sans Pro Black"/>
+              </a:rPr>
+              <a:t>at</a:t>
             </a:r>
             <a:endParaRPr b="1" lang="en-US" sz="3010" spc="-1" strike="noStrike">
               <a:solidFill>
@@ -6034,7 +5937,7 @@
                 </a:uFill>
                 <a:latin typeface="Source Sans Pro Black"/>
               </a:rPr>
-              <a:t>&lt;date/time&gt;</a:t>
+              <a:t> </a:t>
             </a:r>
             <a:endParaRPr b="1" lang="en-US" sz="1800" spc="-1" strike="noStrike">
               <a:solidFill>
@@ -6085,7 +5988,7 @@
                 </a:uFill>
                 <a:latin typeface="Source Sans Pro Black"/>
               </a:rPr>
-              <a:t>&lt;footer&gt;</a:t>
+              <a:t> </a:t>
             </a:r>
             <a:endParaRPr b="1" lang="en-US" sz="1800" spc="-1" strike="noStrike">
               <a:solidFill>
@@ -6124,7 +6027,7 @@
           <a:bodyPr lIns="0" rIns="0" tIns="0" bIns="0" anchor="ctr"/>
           <a:p>
             <a:pPr algn="ctr"/>
-            <a:fld id="{9F18ADF0-8888-49C0-AB48-D7C7D6C69656}" type="slidenum">
+            <a:fld id="{8F97D8BD-B7DE-4937-B35D-061FF6378D9B}" type="slidenum">
               <a:rPr b="1" lang="en-US" sz="1800" spc="-1" strike="noStrike">
                 <a:solidFill>
                   <a:srgbClr val="ffffff"/>
@@ -6136,7 +6039,7 @@
                 </a:uFill>
                 <a:latin typeface="Source Sans Pro Black"/>
               </a:rPr>
-              <a:t>&lt;number&gt;</a:t>
+              <a:t>1</a:t>
             </a:fld>
             <a:endParaRPr b="1" lang="en-US" sz="1800" spc="-1" strike="noStrike">
               <a:solidFill>
@@ -9567,49 +9470,7 @@
                 </a:uFill>
                 <a:latin typeface="Source Sans Pro Light"/>
               </a:rPr>
-              <a:t>Major </a:t>
-            </a:r>
-            <a:r>
-              <a:rPr b="0" lang="en-US" sz="2600" spc="-1" strike="noStrike">
-                <a:solidFill>
-                  <a:srgbClr val="1c1c1c"/>
-                </a:solidFill>
-                <a:uFill>
-                  <a:solidFill>
-                    <a:srgbClr val="ffffff"/>
-                  </a:solidFill>
-                </a:uFill>
-                <a:latin typeface="Source Sans Pro Light"/>
-              </a:rPr>
-              <a:t>movin</a:t>
-            </a:r>
-            <a:r>
-              <a:rPr b="0" lang="en-US" sz="2600" spc="-1" strike="noStrike">
-                <a:solidFill>
-                  <a:srgbClr val="1c1c1c"/>
-                </a:solidFill>
-                <a:uFill>
-                  <a:solidFill>
-                    <a:srgbClr val="ffffff"/>
-                  </a:solidFill>
-                </a:uFill>
-                <a:latin typeface="Source Sans Pro Light"/>
-              </a:rPr>
-              <a:t>g </a:t>
-            </a:r>
-            <a:r>
-              <a:rPr b="0" lang="en-US" sz="2600" spc="-1" strike="noStrike">
-                <a:solidFill>
-                  <a:srgbClr val="1c1c1c"/>
-                </a:solidFill>
-                <a:uFill>
-                  <a:solidFill>
-                    <a:srgbClr val="ffffff"/>
-                  </a:solidFill>
-                </a:uFill>
-                <a:latin typeface="Source Sans Pro Light"/>
-              </a:rPr>
-              <a:t>parts:</a:t>
+              <a:t>Major moving parts:</a:t>
             </a:r>
             <a:endParaRPr b="0" lang="en-US" sz="2600" spc="-1" strike="noStrike">
               <a:solidFill>
@@ -9657,77 +9518,7 @@
                 </a:uFill>
                 <a:latin typeface="Source Sans Pro Light"/>
               </a:rPr>
-              <a:t>Deep</a:t>
-            </a:r>
-            <a:r>
-              <a:rPr b="0" lang="en-US" sz="2600" spc="-1" strike="noStrike">
-                <a:solidFill>
-                  <a:srgbClr val="1c1c1c"/>
-                </a:solidFill>
-                <a:uFill>
-                  <a:solidFill>
-                    <a:srgbClr val="ffffff"/>
-                  </a:solidFill>
-                </a:uFill>
-                <a:latin typeface="Source Sans Pro Light"/>
-              </a:rPr>
-              <a:t>-Q </a:t>
-            </a:r>
-            <a:r>
-              <a:rPr b="0" lang="en-US" sz="2600" spc="-1" strike="noStrike">
-                <a:solidFill>
-                  <a:srgbClr val="1c1c1c"/>
-                </a:solidFill>
-                <a:uFill>
-                  <a:solidFill>
-                    <a:srgbClr val="ffffff"/>
-                  </a:solidFill>
-                </a:uFill>
-                <a:latin typeface="Source Sans Pro Light"/>
-              </a:rPr>
-              <a:t>Learn</a:t>
-            </a:r>
-            <a:r>
-              <a:rPr b="0" lang="en-US" sz="2600" spc="-1" strike="noStrike">
-                <a:solidFill>
-                  <a:srgbClr val="1c1c1c"/>
-                </a:solidFill>
-                <a:uFill>
-                  <a:solidFill>
-                    <a:srgbClr val="ffffff"/>
-                  </a:solidFill>
-                </a:uFill>
-                <a:latin typeface="Source Sans Pro Light"/>
-              </a:rPr>
-              <a:t>ing </a:t>
-            </a:r>
-            <a:r>
-              <a:rPr b="0" lang="en-US" sz="2600" spc="-1" strike="noStrike">
-                <a:solidFill>
-                  <a:srgbClr val="1c1c1c"/>
-                </a:solidFill>
-                <a:uFill>
-                  <a:solidFill>
-                    <a:srgbClr val="ffffff"/>
-                  </a:solidFill>
-                </a:uFill>
-                <a:latin typeface="Source Sans Pro Light"/>
-              </a:rPr>
-              <a:t>Algori</a:t>
-            </a:r>
-            <a:r>
-              <a:rPr b="0" lang="en-US" sz="2600" spc="-1" strike="noStrike">
-                <a:solidFill>
-                  <a:srgbClr val="1c1c1c"/>
-                </a:solidFill>
-                <a:uFill>
-                  <a:solidFill>
-                    <a:srgbClr val="ffffff"/>
-                  </a:solidFill>
-                </a:uFill>
-                <a:latin typeface="Source Sans Pro Light"/>
-              </a:rPr>
-              <a:t>thm</a:t>
+              <a:t>Deep-Q Learning Algorithm</a:t>
             </a:r>
             <a:endParaRPr b="0" lang="en-US" sz="2600" spc="-1" strike="noStrike">
               <a:solidFill>
@@ -9762,273 +9553,7 @@
                 </a:uFill>
                 <a:latin typeface="Source Sans Pro Light"/>
               </a:rPr>
-              <a:t>Hu</a:t>
-            </a:r>
-            <a:r>
-              <a:rPr b="0" lang="en-US" sz="2200" spc="-1" strike="noStrike">
-                <a:solidFill>
-                  <a:srgbClr val="1c1c1c"/>
-                </a:solidFill>
-                <a:uFill>
-                  <a:solidFill>
-                    <a:srgbClr val="ffffff"/>
-                  </a:solidFill>
-                </a:uFill>
-                <a:latin typeface="Source Sans Pro Light"/>
-              </a:rPr>
-              <a:t>ma</a:t>
-            </a:r>
-            <a:r>
-              <a:rPr b="0" lang="en-US" sz="2200" spc="-1" strike="noStrike">
-                <a:solidFill>
-                  <a:srgbClr val="1c1c1c"/>
-                </a:solidFill>
-                <a:uFill>
-                  <a:solidFill>
-                    <a:srgbClr val="ffffff"/>
-                  </a:solidFill>
-                </a:uFill>
-                <a:latin typeface="Source Sans Pro Light"/>
-              </a:rPr>
-              <a:t>n-</a:t>
-            </a:r>
-            <a:r>
-              <a:rPr b="0" lang="en-US" sz="2200" spc="-1" strike="noStrike">
-                <a:solidFill>
-                  <a:srgbClr val="1c1c1c"/>
-                </a:solidFill>
-                <a:uFill>
-                  <a:solidFill>
-                    <a:srgbClr val="ffffff"/>
-                  </a:solidFill>
-                </a:uFill>
-                <a:latin typeface="Source Sans Pro Light"/>
-              </a:rPr>
-              <a:t>Lev</a:t>
-            </a:r>
-            <a:r>
-              <a:rPr b="0" lang="en-US" sz="2200" spc="-1" strike="noStrike">
-                <a:solidFill>
-                  <a:srgbClr val="1c1c1c"/>
-                </a:solidFill>
-                <a:uFill>
-                  <a:solidFill>
-                    <a:srgbClr val="ffffff"/>
-                  </a:solidFill>
-                </a:uFill>
-                <a:latin typeface="Source Sans Pro Light"/>
-              </a:rPr>
-              <a:t>el </a:t>
-            </a:r>
-            <a:r>
-              <a:rPr b="0" lang="en-US" sz="2200" spc="-1" strike="noStrike">
-                <a:solidFill>
-                  <a:srgbClr val="1c1c1c"/>
-                </a:solidFill>
-                <a:uFill>
-                  <a:solidFill>
-                    <a:srgbClr val="ffffff"/>
-                  </a:solidFill>
-                </a:uFill>
-                <a:latin typeface="Source Sans Pro Light"/>
-              </a:rPr>
-              <a:t>Con</a:t>
-            </a:r>
-            <a:r>
-              <a:rPr b="0" lang="en-US" sz="2200" spc="-1" strike="noStrike">
-                <a:solidFill>
-                  <a:srgbClr val="1c1c1c"/>
-                </a:solidFill>
-                <a:uFill>
-                  <a:solidFill>
-                    <a:srgbClr val="ffffff"/>
-                  </a:solidFill>
-                </a:uFill>
-                <a:latin typeface="Source Sans Pro Light"/>
-              </a:rPr>
-              <a:t>trol </a:t>
-            </a:r>
-            <a:r>
-              <a:rPr b="0" lang="en-US" sz="2200" spc="-1" strike="noStrike">
-                <a:solidFill>
-                  <a:srgbClr val="1c1c1c"/>
-                </a:solidFill>
-                <a:uFill>
-                  <a:solidFill>
-                    <a:srgbClr val="ffffff"/>
-                  </a:solidFill>
-                </a:uFill>
-                <a:latin typeface="Source Sans Pro Light"/>
-              </a:rPr>
-              <a:t>thr</a:t>
-            </a:r>
-            <a:r>
-              <a:rPr b="0" lang="en-US" sz="2200" spc="-1" strike="noStrike">
-                <a:solidFill>
-                  <a:srgbClr val="1c1c1c"/>
-                </a:solidFill>
-                <a:uFill>
-                  <a:solidFill>
-                    <a:srgbClr val="ffffff"/>
-                  </a:solidFill>
-                </a:uFill>
-                <a:latin typeface="Source Sans Pro Light"/>
-              </a:rPr>
-              <a:t>oug</a:t>
-            </a:r>
-            <a:r>
-              <a:rPr b="0" lang="en-US" sz="2200" spc="-1" strike="noStrike">
-                <a:solidFill>
-                  <a:srgbClr val="1c1c1c"/>
-                </a:solidFill>
-                <a:uFill>
-                  <a:solidFill>
-                    <a:srgbClr val="ffffff"/>
-                  </a:solidFill>
-                </a:uFill>
-                <a:latin typeface="Source Sans Pro Light"/>
-              </a:rPr>
-              <a:t>h </a:t>
-            </a:r>
-            <a:r>
-              <a:rPr b="0" lang="en-US" sz="2200" spc="-1" strike="noStrike">
-                <a:solidFill>
-                  <a:srgbClr val="1c1c1c"/>
-                </a:solidFill>
-                <a:uFill>
-                  <a:solidFill>
-                    <a:srgbClr val="ffffff"/>
-                  </a:solidFill>
-                </a:uFill>
-                <a:latin typeface="Source Sans Pro Light"/>
-              </a:rPr>
-              <a:t>De</a:t>
-            </a:r>
-            <a:r>
-              <a:rPr b="0" lang="en-US" sz="2200" spc="-1" strike="noStrike">
-                <a:solidFill>
-                  <a:srgbClr val="1c1c1c"/>
-                </a:solidFill>
-                <a:uFill>
-                  <a:solidFill>
-                    <a:srgbClr val="ffffff"/>
-                  </a:solidFill>
-                </a:uFill>
-                <a:latin typeface="Source Sans Pro Light"/>
-              </a:rPr>
-              <a:t>ep </a:t>
-            </a:r>
-            <a:r>
-              <a:rPr b="0" lang="en-US" sz="2200" spc="-1" strike="noStrike">
-                <a:solidFill>
-                  <a:srgbClr val="1c1c1c"/>
-                </a:solidFill>
-                <a:uFill>
-                  <a:solidFill>
-                    <a:srgbClr val="ffffff"/>
-                  </a:solidFill>
-                </a:uFill>
-                <a:latin typeface="Source Sans Pro Light"/>
-              </a:rPr>
-              <a:t>Rei</a:t>
-            </a:r>
-            <a:r>
-              <a:rPr b="0" lang="en-US" sz="2200" spc="-1" strike="noStrike">
-                <a:solidFill>
-                  <a:srgbClr val="1c1c1c"/>
-                </a:solidFill>
-                <a:uFill>
-                  <a:solidFill>
-                    <a:srgbClr val="ffffff"/>
-                  </a:solidFill>
-                </a:uFill>
-                <a:latin typeface="Source Sans Pro Light"/>
-              </a:rPr>
-              <a:t>nfor</a:t>
-            </a:r>
-            <a:r>
-              <a:rPr b="0" lang="en-US" sz="2200" spc="-1" strike="noStrike">
-                <a:solidFill>
-                  <a:srgbClr val="1c1c1c"/>
-                </a:solidFill>
-                <a:uFill>
-                  <a:solidFill>
-                    <a:srgbClr val="ffffff"/>
-                  </a:solidFill>
-                </a:uFill>
-                <a:latin typeface="Source Sans Pro Light"/>
-              </a:rPr>
-              <a:t>ce</a:t>
-            </a:r>
-            <a:r>
-              <a:rPr b="0" lang="en-US" sz="2200" spc="-1" strike="noStrike">
-                <a:solidFill>
-                  <a:srgbClr val="1c1c1c"/>
-                </a:solidFill>
-                <a:uFill>
-                  <a:solidFill>
-                    <a:srgbClr val="ffffff"/>
-                  </a:solidFill>
-                </a:uFill>
-                <a:latin typeface="Source Sans Pro Light"/>
-              </a:rPr>
-              <a:t>me</a:t>
-            </a:r>
-            <a:r>
-              <a:rPr b="0" lang="en-US" sz="2200" spc="-1" strike="noStrike">
-                <a:solidFill>
-                  <a:srgbClr val="1c1c1c"/>
-                </a:solidFill>
-                <a:uFill>
-                  <a:solidFill>
-                    <a:srgbClr val="ffffff"/>
-                  </a:solidFill>
-                </a:uFill>
-                <a:latin typeface="Source Sans Pro Light"/>
-              </a:rPr>
-              <a:t>nt </a:t>
-            </a:r>
-            <a:r>
-              <a:rPr b="0" lang="en-US" sz="2200" spc="-1" strike="noStrike">
-                <a:solidFill>
-                  <a:srgbClr val="1c1c1c"/>
-                </a:solidFill>
-                <a:uFill>
-                  <a:solidFill>
-                    <a:srgbClr val="ffffff"/>
-                  </a:solidFill>
-                </a:uFill>
-                <a:latin typeface="Source Sans Pro Light"/>
-              </a:rPr>
-              <a:t>Lea</a:t>
-            </a:r>
-            <a:r>
-              <a:rPr b="0" lang="en-US" sz="2200" spc="-1" strike="noStrike">
-                <a:solidFill>
-                  <a:srgbClr val="1c1c1c"/>
-                </a:solidFill>
-                <a:uFill>
-                  <a:solidFill>
-                    <a:srgbClr val="ffffff"/>
-                  </a:solidFill>
-                </a:uFill>
-                <a:latin typeface="Source Sans Pro Light"/>
-              </a:rPr>
-              <a:t>rnin</a:t>
-            </a:r>
-            <a:r>
-              <a:rPr b="0" lang="en-US" sz="2200" spc="-1" strike="noStrike">
-                <a:solidFill>
-                  <a:srgbClr val="1c1c1c"/>
-                </a:solidFill>
-                <a:uFill>
-                  <a:solidFill>
-                    <a:srgbClr val="ffffff"/>
-                  </a:solidFill>
-                </a:uFill>
-                <a:latin typeface="Source Sans Pro Light"/>
-              </a:rPr>
-              <a:t>g</a:t>
+              <a:t>Human-Level Control through Deep Reinforcement Learning</a:t>
             </a:r>
             <a:endParaRPr b="0" lang="en-US" sz="2600" spc="-1" strike="noStrike">
               <a:solidFill>
@@ -10063,259 +9588,7 @@
                 </a:uFill>
                 <a:latin typeface="Source Sans Pro Light"/>
               </a:rPr>
-              <a:t>De</a:t>
-            </a:r>
-            <a:r>
-              <a:rPr b="0" lang="en-US" sz="2200" spc="-1" strike="noStrike">
-                <a:solidFill>
-                  <a:srgbClr val="1c1c1c"/>
-                </a:solidFill>
-                <a:uFill>
-                  <a:solidFill>
-                    <a:srgbClr val="ffffff"/>
-                  </a:solidFill>
-                </a:uFill>
-                <a:latin typeface="Source Sans Pro Light"/>
-              </a:rPr>
-              <a:t>ep </a:t>
-            </a:r>
-            <a:r>
-              <a:rPr b="0" lang="en-US" sz="2200" spc="-1" strike="noStrike">
-                <a:solidFill>
-                  <a:srgbClr val="1c1c1c"/>
-                </a:solidFill>
-                <a:uFill>
-                  <a:solidFill>
-                    <a:srgbClr val="ffffff"/>
-                  </a:solidFill>
-                </a:uFill>
-                <a:latin typeface="Source Sans Pro Light"/>
-              </a:rPr>
-              <a:t>Rei</a:t>
-            </a:r>
-            <a:r>
-              <a:rPr b="0" lang="en-US" sz="2200" spc="-1" strike="noStrike">
-                <a:solidFill>
-                  <a:srgbClr val="1c1c1c"/>
-                </a:solidFill>
-                <a:uFill>
-                  <a:solidFill>
-                    <a:srgbClr val="ffffff"/>
-                  </a:solidFill>
-                </a:uFill>
-                <a:latin typeface="Source Sans Pro Light"/>
-              </a:rPr>
-              <a:t>nfor</a:t>
-            </a:r>
-            <a:r>
-              <a:rPr b="0" lang="en-US" sz="2200" spc="-1" strike="noStrike">
-                <a:solidFill>
-                  <a:srgbClr val="1c1c1c"/>
-                </a:solidFill>
-                <a:uFill>
-                  <a:solidFill>
-                    <a:srgbClr val="ffffff"/>
-                  </a:solidFill>
-                </a:uFill>
-                <a:latin typeface="Source Sans Pro Light"/>
-              </a:rPr>
-              <a:t>ce</a:t>
-            </a:r>
-            <a:r>
-              <a:rPr b="0" lang="en-US" sz="2200" spc="-1" strike="noStrike">
-                <a:solidFill>
-                  <a:srgbClr val="1c1c1c"/>
-                </a:solidFill>
-                <a:uFill>
-                  <a:solidFill>
-                    <a:srgbClr val="ffffff"/>
-                  </a:solidFill>
-                </a:uFill>
-                <a:latin typeface="Source Sans Pro Light"/>
-              </a:rPr>
-              <a:t>me</a:t>
-            </a:r>
-            <a:r>
-              <a:rPr b="0" lang="en-US" sz="2200" spc="-1" strike="noStrike">
-                <a:solidFill>
-                  <a:srgbClr val="1c1c1c"/>
-                </a:solidFill>
-                <a:uFill>
-                  <a:solidFill>
-                    <a:srgbClr val="ffffff"/>
-                  </a:solidFill>
-                </a:uFill>
-                <a:latin typeface="Source Sans Pro Light"/>
-              </a:rPr>
-              <a:t>nt </a:t>
-            </a:r>
-            <a:r>
-              <a:rPr b="0" lang="en-US" sz="2200" spc="-1" strike="noStrike">
-                <a:solidFill>
-                  <a:srgbClr val="1c1c1c"/>
-                </a:solidFill>
-                <a:uFill>
-                  <a:solidFill>
-                    <a:srgbClr val="ffffff"/>
-                  </a:solidFill>
-                </a:uFill>
-                <a:latin typeface="Source Sans Pro Light"/>
-              </a:rPr>
-              <a:t>Lea</a:t>
-            </a:r>
-            <a:r>
-              <a:rPr b="0" lang="en-US" sz="2200" spc="-1" strike="noStrike">
-                <a:solidFill>
-                  <a:srgbClr val="1c1c1c"/>
-                </a:solidFill>
-                <a:uFill>
-                  <a:solidFill>
-                    <a:srgbClr val="ffffff"/>
-                  </a:solidFill>
-                </a:uFill>
-                <a:latin typeface="Source Sans Pro Light"/>
-              </a:rPr>
-              <a:t>rnin</a:t>
-            </a:r>
-            <a:r>
-              <a:rPr b="0" lang="en-US" sz="2200" spc="-1" strike="noStrike">
-                <a:solidFill>
-                  <a:srgbClr val="1c1c1c"/>
-                </a:solidFill>
-                <a:uFill>
-                  <a:solidFill>
-                    <a:srgbClr val="ffffff"/>
-                  </a:solidFill>
-                </a:uFill>
-                <a:latin typeface="Source Sans Pro Light"/>
-              </a:rPr>
-              <a:t>g </a:t>
-            </a:r>
-            <a:r>
-              <a:rPr b="0" lang="en-US" sz="2200" spc="-1" strike="noStrike">
-                <a:solidFill>
-                  <a:srgbClr val="1c1c1c"/>
-                </a:solidFill>
-                <a:uFill>
-                  <a:solidFill>
-                    <a:srgbClr val="ffffff"/>
-                  </a:solidFill>
-                </a:uFill>
-                <a:latin typeface="Source Sans Pro Light"/>
-              </a:rPr>
-              <a:t>wit</a:t>
-            </a:r>
-            <a:r>
-              <a:rPr b="0" lang="en-US" sz="2200" spc="-1" strike="noStrike">
-                <a:solidFill>
-                  <a:srgbClr val="1c1c1c"/>
-                </a:solidFill>
-                <a:uFill>
-                  <a:solidFill>
-                    <a:srgbClr val="ffffff"/>
-                  </a:solidFill>
-                </a:uFill>
-                <a:latin typeface="Source Sans Pro Light"/>
-              </a:rPr>
-              <a:t>h </a:t>
-            </a:r>
-            <a:r>
-              <a:rPr b="0" lang="en-US" sz="2200" spc="-1" strike="noStrike">
-                <a:solidFill>
-                  <a:srgbClr val="1c1c1c"/>
-                </a:solidFill>
-                <a:uFill>
-                  <a:solidFill>
-                    <a:srgbClr val="ffffff"/>
-                  </a:solidFill>
-                </a:uFill>
-                <a:latin typeface="Source Sans Pro Light"/>
-              </a:rPr>
-              <a:t>Do</a:t>
-            </a:r>
-            <a:r>
-              <a:rPr b="0" lang="en-US" sz="2200" spc="-1" strike="noStrike">
-                <a:solidFill>
-                  <a:srgbClr val="1c1c1c"/>
-                </a:solidFill>
-                <a:uFill>
-                  <a:solidFill>
-                    <a:srgbClr val="ffffff"/>
-                  </a:solidFill>
-                </a:uFill>
-                <a:latin typeface="Source Sans Pro Light"/>
-              </a:rPr>
-              <a:t>ubl</a:t>
-            </a:r>
-            <a:r>
-              <a:rPr b="0" lang="en-US" sz="2200" spc="-1" strike="noStrike">
-                <a:solidFill>
-                  <a:srgbClr val="1c1c1c"/>
-                </a:solidFill>
-                <a:uFill>
-                  <a:solidFill>
-                    <a:srgbClr val="ffffff"/>
-                  </a:solidFill>
-                </a:uFill>
-                <a:latin typeface="Source Sans Pro Light"/>
-              </a:rPr>
-              <a:t>e </a:t>
-            </a:r>
-            <a:r>
-              <a:rPr b="0" lang="en-US" sz="2200" spc="-1" strike="noStrike">
-                <a:solidFill>
-                  <a:srgbClr val="1c1c1c"/>
-                </a:solidFill>
-                <a:uFill>
-                  <a:solidFill>
-                    <a:srgbClr val="ffffff"/>
-                  </a:solidFill>
-                </a:uFill>
-                <a:latin typeface="Source Sans Pro Light"/>
-              </a:rPr>
-              <a:t>Q-</a:t>
-            </a:r>
-            <a:r>
-              <a:rPr b="0" lang="en-US" sz="2200" spc="-1" strike="noStrike">
-                <a:solidFill>
-                  <a:srgbClr val="1c1c1c"/>
-                </a:solidFill>
-                <a:uFill>
-                  <a:solidFill>
-                    <a:srgbClr val="ffffff"/>
-                  </a:solidFill>
-                </a:uFill>
-                <a:latin typeface="Source Sans Pro Light"/>
-              </a:rPr>
-              <a:t>Lea</a:t>
-            </a:r>
-            <a:r>
-              <a:rPr b="0" lang="en-US" sz="2200" spc="-1" strike="noStrike">
-                <a:solidFill>
-                  <a:srgbClr val="1c1c1c"/>
-                </a:solidFill>
-                <a:uFill>
-                  <a:solidFill>
-                    <a:srgbClr val="ffffff"/>
-                  </a:solidFill>
-                </a:uFill>
-                <a:latin typeface="Source Sans Pro Light"/>
-              </a:rPr>
-              <a:t>rnin</a:t>
-            </a:r>
-            <a:r>
-              <a:rPr b="0" lang="en-US" sz="2200" spc="-1" strike="noStrike">
-                <a:solidFill>
-                  <a:srgbClr val="1c1c1c"/>
-                </a:solidFill>
-                <a:uFill>
-                  <a:solidFill>
-                    <a:srgbClr val="ffffff"/>
-                  </a:solidFill>
-                </a:uFill>
-                <a:latin typeface="Source Sans Pro Light"/>
-              </a:rPr>
-              <a:t>g</a:t>
+              <a:t>Deep Reinforcement Learning with Double Q-Learning</a:t>
             </a:r>
             <a:endParaRPr b="0" lang="en-US" sz="2600" spc="-1" strike="noStrike">
               <a:solidFill>
@@ -10363,49 +9636,7 @@
                 </a:uFill>
                 <a:latin typeface="Source Sans Pro Light"/>
               </a:rPr>
-              <a:t>Repla</a:t>
-            </a:r>
-            <a:r>
-              <a:rPr b="0" lang="en-US" sz="2600" spc="-1" strike="noStrike">
-                <a:solidFill>
-                  <a:srgbClr val="1c1c1c"/>
-                </a:solidFill>
-                <a:uFill>
-                  <a:solidFill>
-                    <a:srgbClr val="ffffff"/>
-                  </a:solidFill>
-                </a:uFill>
-                <a:latin typeface="Source Sans Pro Light"/>
-              </a:rPr>
-              <a:t>y </a:t>
-            </a:r>
-            <a:r>
-              <a:rPr b="0" lang="en-US" sz="2600" spc="-1" strike="noStrike">
-                <a:solidFill>
-                  <a:srgbClr val="1c1c1c"/>
-                </a:solidFill>
-                <a:uFill>
-                  <a:solidFill>
-                    <a:srgbClr val="ffffff"/>
-                  </a:solidFill>
-                </a:uFill>
-                <a:latin typeface="Source Sans Pro Light"/>
-              </a:rPr>
-              <a:t>Mem</a:t>
-            </a:r>
-            <a:r>
-              <a:rPr b="0" lang="en-US" sz="2600" spc="-1" strike="noStrike">
-                <a:solidFill>
-                  <a:srgbClr val="1c1c1c"/>
-                </a:solidFill>
-                <a:uFill>
-                  <a:solidFill>
-                    <a:srgbClr val="ffffff"/>
-                  </a:solidFill>
-                </a:uFill>
-                <a:latin typeface="Source Sans Pro Light"/>
-              </a:rPr>
-              <a:t>ory</a:t>
+              <a:t>Replay Memory</a:t>
             </a:r>
             <a:endParaRPr b="0" lang="en-US" sz="2600" spc="-1" strike="noStrike">
               <a:solidFill>
@@ -10440,105 +9671,7 @@
                 </a:uFill>
                 <a:latin typeface="Source Sans Pro Light"/>
               </a:rPr>
-              <a:t>Prio</a:t>
-            </a:r>
-            <a:r>
-              <a:rPr b="0" lang="en-US" sz="2200" spc="-1" strike="noStrike">
-                <a:solidFill>
-                  <a:srgbClr val="1c1c1c"/>
-                </a:solidFill>
-                <a:uFill>
-                  <a:solidFill>
-                    <a:srgbClr val="ffffff"/>
-                  </a:solidFill>
-                </a:uFill>
-                <a:latin typeface="Source Sans Pro Light"/>
-              </a:rPr>
-              <a:t>ritiz</a:t>
-            </a:r>
-            <a:r>
-              <a:rPr b="0" lang="en-US" sz="2200" spc="-1" strike="noStrike">
-                <a:solidFill>
-                  <a:srgbClr val="1c1c1c"/>
-                </a:solidFill>
-                <a:uFill>
-                  <a:solidFill>
-                    <a:srgbClr val="ffffff"/>
-                  </a:solidFill>
-                </a:uFill>
-                <a:latin typeface="Source Sans Pro Light"/>
-              </a:rPr>
-              <a:t>ed </a:t>
-            </a:r>
-            <a:r>
-              <a:rPr b="0" lang="en-US" sz="2200" spc="-1" strike="noStrike">
-                <a:solidFill>
-                  <a:srgbClr val="1c1c1c"/>
-                </a:solidFill>
-                <a:uFill>
-                  <a:solidFill>
-                    <a:srgbClr val="ffffff"/>
-                  </a:solidFill>
-                </a:uFill>
-                <a:latin typeface="Source Sans Pro Light"/>
-              </a:rPr>
-              <a:t>Exp</a:t>
-            </a:r>
-            <a:r>
-              <a:rPr b="0" lang="en-US" sz="2200" spc="-1" strike="noStrike">
-                <a:solidFill>
-                  <a:srgbClr val="1c1c1c"/>
-                </a:solidFill>
-                <a:uFill>
-                  <a:solidFill>
-                    <a:srgbClr val="ffffff"/>
-                  </a:solidFill>
-                </a:uFill>
-                <a:latin typeface="Source Sans Pro Light"/>
-              </a:rPr>
-              <a:t>erie</a:t>
-            </a:r>
-            <a:r>
-              <a:rPr b="0" lang="en-US" sz="2200" spc="-1" strike="noStrike">
-                <a:solidFill>
-                  <a:srgbClr val="1c1c1c"/>
-                </a:solidFill>
-                <a:uFill>
-                  <a:solidFill>
-                    <a:srgbClr val="ffffff"/>
-                  </a:solidFill>
-                </a:uFill>
-                <a:latin typeface="Source Sans Pro Light"/>
-              </a:rPr>
-              <a:t>nce </a:t>
-            </a:r>
-            <a:r>
-              <a:rPr b="0" lang="en-US" sz="2200" spc="-1" strike="noStrike">
-                <a:solidFill>
-                  <a:srgbClr val="1c1c1c"/>
-                </a:solidFill>
-                <a:uFill>
-                  <a:solidFill>
-                    <a:srgbClr val="ffffff"/>
-                  </a:solidFill>
-                </a:uFill>
-                <a:latin typeface="Source Sans Pro Light"/>
-              </a:rPr>
-              <a:t>Rep</a:t>
-            </a:r>
-            <a:r>
-              <a:rPr b="0" lang="en-US" sz="2200" spc="-1" strike="noStrike">
-                <a:solidFill>
-                  <a:srgbClr val="1c1c1c"/>
-                </a:solidFill>
-                <a:uFill>
-                  <a:solidFill>
-                    <a:srgbClr val="ffffff"/>
-                  </a:solidFill>
-                </a:uFill>
-                <a:latin typeface="Source Sans Pro Light"/>
-              </a:rPr>
-              <a:t>lay</a:t>
+              <a:t>Prioritized Experience Replay</a:t>
             </a:r>
             <a:endParaRPr b="0" lang="en-US" sz="2600" spc="-1" strike="noStrike">
               <a:solidFill>
@@ -10586,63 +9719,7 @@
                 </a:uFill>
                 <a:latin typeface="Source Sans Pro Light"/>
               </a:rPr>
-              <a:t>Netw</a:t>
-            </a:r>
-            <a:r>
-              <a:rPr b="0" lang="en-US" sz="2600" spc="-1" strike="noStrike">
-                <a:solidFill>
-                  <a:srgbClr val="1c1c1c"/>
-                </a:solidFill>
-                <a:uFill>
-                  <a:solidFill>
-                    <a:srgbClr val="ffffff"/>
-                  </a:solidFill>
-                </a:uFill>
-                <a:latin typeface="Source Sans Pro Light"/>
-              </a:rPr>
-              <a:t>ork </a:t>
-            </a:r>
-            <a:r>
-              <a:rPr b="0" lang="en-US" sz="2600" spc="-1" strike="noStrike">
-                <a:solidFill>
-                  <a:srgbClr val="1c1c1c"/>
-                </a:solidFill>
-                <a:uFill>
-                  <a:solidFill>
-                    <a:srgbClr val="ffffff"/>
-                  </a:solidFill>
-                </a:uFill>
-                <a:latin typeface="Source Sans Pro Light"/>
-              </a:rPr>
-              <a:t>Archit</a:t>
-            </a:r>
-            <a:r>
-              <a:rPr b="0" lang="en-US" sz="2600" spc="-1" strike="noStrike">
-                <a:solidFill>
-                  <a:srgbClr val="1c1c1c"/>
-                </a:solidFill>
-                <a:uFill>
-                  <a:solidFill>
-                    <a:srgbClr val="ffffff"/>
-                  </a:solidFill>
-                </a:uFill>
-                <a:latin typeface="Source Sans Pro Light"/>
-              </a:rPr>
-              <a:t>ectur</a:t>
-            </a:r>
-            <a:r>
-              <a:rPr b="0" lang="en-US" sz="2600" spc="-1" strike="noStrike">
-                <a:solidFill>
-                  <a:srgbClr val="1c1c1c"/>
-                </a:solidFill>
-                <a:uFill>
-                  <a:solidFill>
-                    <a:srgbClr val="ffffff"/>
-                  </a:solidFill>
-                </a:uFill>
-                <a:latin typeface="Source Sans Pro Light"/>
-              </a:rPr>
-              <a:t>e</a:t>
+              <a:t>Network Architecture</a:t>
             </a:r>
             <a:endParaRPr b="0" lang="en-US" sz="2600" spc="-1" strike="noStrike">
               <a:solidFill>
@@ -10677,287 +9754,7 @@
                 </a:uFill>
                 <a:latin typeface="Source Sans Pro Light"/>
               </a:rPr>
-              <a:t>Du</a:t>
-            </a:r>
-            <a:r>
-              <a:rPr b="0" lang="en-US" sz="2200" spc="-1" strike="noStrike">
-                <a:solidFill>
-                  <a:srgbClr val="1c1c1c"/>
-                </a:solidFill>
-                <a:uFill>
-                  <a:solidFill>
-                    <a:srgbClr val="ffffff"/>
-                  </a:solidFill>
-                </a:uFill>
-                <a:latin typeface="Source Sans Pro Light"/>
-              </a:rPr>
-              <a:t>elin</a:t>
-            </a:r>
-            <a:r>
-              <a:rPr b="0" lang="en-US" sz="2200" spc="-1" strike="noStrike">
-                <a:solidFill>
-                  <a:srgbClr val="1c1c1c"/>
-                </a:solidFill>
-                <a:uFill>
-                  <a:solidFill>
-                    <a:srgbClr val="ffffff"/>
-                  </a:solidFill>
-                </a:uFill>
-                <a:latin typeface="Source Sans Pro Light"/>
-              </a:rPr>
-              <a:t>g </a:t>
-            </a:r>
-            <a:r>
-              <a:rPr b="0" lang="en-US" sz="2200" spc="-1" strike="noStrike">
-                <a:solidFill>
-                  <a:srgbClr val="1c1c1c"/>
-                </a:solidFill>
-                <a:uFill>
-                  <a:solidFill>
-                    <a:srgbClr val="ffffff"/>
-                  </a:solidFill>
-                </a:uFill>
-                <a:latin typeface="Source Sans Pro Light"/>
-              </a:rPr>
-              <a:t>Net</a:t>
-            </a:r>
-            <a:r>
-              <a:rPr b="0" lang="en-US" sz="2200" spc="-1" strike="noStrike">
-                <a:solidFill>
-                  <a:srgbClr val="1c1c1c"/>
-                </a:solidFill>
-                <a:uFill>
-                  <a:solidFill>
-                    <a:srgbClr val="ffffff"/>
-                  </a:solidFill>
-                </a:uFill>
-                <a:latin typeface="Source Sans Pro Light"/>
-              </a:rPr>
-              <a:t>wor</a:t>
-            </a:r>
-            <a:r>
-              <a:rPr b="0" lang="en-US" sz="2200" spc="-1" strike="noStrike">
-                <a:solidFill>
-                  <a:srgbClr val="1c1c1c"/>
-                </a:solidFill>
-                <a:uFill>
-                  <a:solidFill>
-                    <a:srgbClr val="ffffff"/>
-                  </a:solidFill>
-                </a:uFill>
-                <a:latin typeface="Source Sans Pro Light"/>
-              </a:rPr>
-              <a:t>k </a:t>
-            </a:r>
-            <a:r>
-              <a:rPr b="0" lang="en-US" sz="2200" spc="-1" strike="noStrike">
-                <a:solidFill>
-                  <a:srgbClr val="1c1c1c"/>
-                </a:solidFill>
-                <a:uFill>
-                  <a:solidFill>
-                    <a:srgbClr val="ffffff"/>
-                  </a:solidFill>
-                </a:uFill>
-                <a:latin typeface="Source Sans Pro Light"/>
-              </a:rPr>
-              <a:t>Arc</a:t>
-            </a:r>
-            <a:r>
-              <a:rPr b="0" lang="en-US" sz="2200" spc="-1" strike="noStrike">
-                <a:solidFill>
-                  <a:srgbClr val="1c1c1c"/>
-                </a:solidFill>
-                <a:uFill>
-                  <a:solidFill>
-                    <a:srgbClr val="ffffff"/>
-                  </a:solidFill>
-                </a:uFill>
-                <a:latin typeface="Source Sans Pro Light"/>
-              </a:rPr>
-              <a:t>hite</a:t>
-            </a:r>
-            <a:r>
-              <a:rPr b="0" lang="en-US" sz="2200" spc="-1" strike="noStrike">
-                <a:solidFill>
-                  <a:srgbClr val="1c1c1c"/>
-                </a:solidFill>
-                <a:uFill>
-                  <a:solidFill>
-                    <a:srgbClr val="ffffff"/>
-                  </a:solidFill>
-                </a:uFill>
-                <a:latin typeface="Source Sans Pro Light"/>
-              </a:rPr>
-              <a:t>ctur</a:t>
-            </a:r>
-            <a:r>
-              <a:rPr b="0" lang="en-US" sz="2200" spc="-1" strike="noStrike">
-                <a:solidFill>
-                  <a:srgbClr val="1c1c1c"/>
-                </a:solidFill>
-                <a:uFill>
-                  <a:solidFill>
-                    <a:srgbClr val="ffffff"/>
-                  </a:solidFill>
-                </a:uFill>
-                <a:latin typeface="Source Sans Pro Light"/>
-              </a:rPr>
-              <a:t>es </a:t>
-            </a:r>
-            <a:r>
-              <a:rPr b="0" lang="en-US" sz="2200" spc="-1" strike="noStrike">
-                <a:solidFill>
-                  <a:srgbClr val="1c1c1c"/>
-                </a:solidFill>
-                <a:uFill>
-                  <a:solidFill>
-                    <a:srgbClr val="ffffff"/>
-                  </a:solidFill>
-                </a:uFill>
-                <a:latin typeface="Source Sans Pro Light"/>
-              </a:rPr>
-              <a:t>for </a:t>
-            </a:r>
-            <a:r>
-              <a:rPr b="0" lang="en-US" sz="2200" spc="-1" strike="noStrike">
-                <a:solidFill>
-                  <a:srgbClr val="1c1c1c"/>
-                </a:solidFill>
-                <a:uFill>
-                  <a:solidFill>
-                    <a:srgbClr val="ffffff"/>
-                  </a:solidFill>
-                </a:uFill>
-                <a:latin typeface="Source Sans Pro Light"/>
-              </a:rPr>
-              <a:t>De</a:t>
-            </a:r>
-            <a:r>
-              <a:rPr b="0" lang="en-US" sz="2200" spc="-1" strike="noStrike">
-                <a:solidFill>
-                  <a:srgbClr val="1c1c1c"/>
-                </a:solidFill>
-                <a:uFill>
-                  <a:solidFill>
-                    <a:srgbClr val="ffffff"/>
-                  </a:solidFill>
-                </a:uFill>
-                <a:latin typeface="Source Sans Pro Light"/>
-              </a:rPr>
-              <a:t>ep </a:t>
-            </a:r>
-            <a:r>
-              <a:rPr b="0" lang="en-US" sz="2200" spc="-1" strike="noStrike">
-                <a:solidFill>
-                  <a:srgbClr val="1c1c1c"/>
-                </a:solidFill>
-                <a:uFill>
-                  <a:solidFill>
-                    <a:srgbClr val="ffffff"/>
-                  </a:solidFill>
-                </a:uFill>
-                <a:latin typeface="Source Sans Pro Light"/>
-              </a:rPr>
-              <a:t>Rei</a:t>
-            </a:r>
-            <a:r>
-              <a:rPr b="0" lang="en-US" sz="2200" spc="-1" strike="noStrike">
-                <a:solidFill>
-                  <a:srgbClr val="1c1c1c"/>
-                </a:solidFill>
-                <a:uFill>
-                  <a:solidFill>
-                    <a:srgbClr val="ffffff"/>
-                  </a:solidFill>
-                </a:uFill>
-                <a:latin typeface="Source Sans Pro Light"/>
-              </a:rPr>
-              <a:t>nfor</a:t>
-            </a:r>
-            <a:r>
-              <a:rPr b="0" lang="en-US" sz="2200" spc="-1" strike="noStrike">
-                <a:solidFill>
-                  <a:srgbClr val="1c1c1c"/>
-                </a:solidFill>
-                <a:uFill>
-                  <a:solidFill>
-                    <a:srgbClr val="ffffff"/>
-                  </a:solidFill>
-                </a:uFill>
-                <a:latin typeface="Source Sans Pro Light"/>
-              </a:rPr>
-              <a:t>ce</a:t>
-            </a:r>
-            <a:r>
-              <a:rPr b="0" lang="en-US" sz="2200" spc="-1" strike="noStrike">
-                <a:solidFill>
-                  <a:srgbClr val="1c1c1c"/>
-                </a:solidFill>
-                <a:uFill>
-                  <a:solidFill>
-                    <a:srgbClr val="ffffff"/>
-                  </a:solidFill>
-                </a:uFill>
-                <a:latin typeface="Source Sans Pro Light"/>
-              </a:rPr>
-              <a:t>me</a:t>
-            </a:r>
-            <a:r>
-              <a:rPr b="0" lang="en-US" sz="2200" spc="-1" strike="noStrike">
-                <a:solidFill>
-                  <a:srgbClr val="1c1c1c"/>
-                </a:solidFill>
-                <a:uFill>
-                  <a:solidFill>
-                    <a:srgbClr val="ffffff"/>
-                  </a:solidFill>
-                </a:uFill>
-                <a:latin typeface="Source Sans Pro Light"/>
-              </a:rPr>
-              <a:t>nt </a:t>
-            </a:r>
-            <a:r>
-              <a:rPr b="0" lang="en-US" sz="2200" spc="-1" strike="noStrike">
-                <a:solidFill>
-                  <a:srgbClr val="1c1c1c"/>
-                </a:solidFill>
-                <a:uFill>
-                  <a:solidFill>
-                    <a:srgbClr val="ffffff"/>
-                  </a:solidFill>
-                </a:uFill>
-                <a:latin typeface="Source Sans Pro Light"/>
-              </a:rPr>
-              <a:t>Lea</a:t>
-            </a:r>
-            <a:r>
-              <a:rPr b="0" lang="en-US" sz="2200" spc="-1" strike="noStrike">
-                <a:solidFill>
-                  <a:srgbClr val="1c1c1c"/>
-                </a:solidFill>
-                <a:uFill>
-                  <a:solidFill>
-                    <a:srgbClr val="ffffff"/>
-                  </a:solidFill>
-                </a:uFill>
-                <a:latin typeface="Source Sans Pro Light"/>
-              </a:rPr>
-              <a:t>rnin</a:t>
-            </a:r>
-            <a:r>
-              <a:rPr b="0" lang="en-US" sz="2200" spc="-1" strike="noStrike">
-                <a:solidFill>
-                  <a:srgbClr val="1c1c1c"/>
-                </a:solidFill>
-                <a:uFill>
-                  <a:solidFill>
-                    <a:srgbClr val="ffffff"/>
-                  </a:solidFill>
-                </a:uFill>
-                <a:latin typeface="Source Sans Pro Light"/>
-              </a:rPr>
-              <a:t>g</a:t>
+              <a:t>Dueling Network Architectures for Deep Reinforcement Learning</a:t>
             </a:r>
             <a:endParaRPr b="0" lang="en-US" sz="2600" spc="-1" strike="noStrike">
               <a:solidFill>
@@ -11005,21 +9802,7 @@
                 </a:uFill>
                 <a:latin typeface="Source Sans Pro Light"/>
               </a:rPr>
-              <a:t>Agen</a:t>
-            </a:r>
-            <a:r>
-              <a:rPr b="0" lang="en-US" sz="2600" spc="-1" strike="noStrike">
-                <a:solidFill>
-                  <a:srgbClr val="1c1c1c"/>
-                </a:solidFill>
-                <a:uFill>
-                  <a:solidFill>
-                    <a:srgbClr val="ffffff"/>
-                  </a:solidFill>
-                </a:uFill>
-                <a:latin typeface="Source Sans Pro Light"/>
-              </a:rPr>
-              <a:t>t(s)</a:t>
+              <a:t>Agent(s)</a:t>
             </a:r>
             <a:endParaRPr b="0" lang="en-US" sz="2600" spc="-1" strike="noStrike">
               <a:solidFill>
@@ -11054,245 +9837,7 @@
                 </a:uFill>
                 <a:latin typeface="Source Sans Pro Light"/>
               </a:rPr>
-              <a:t>Asy</a:t>
-            </a:r>
-            <a:r>
-              <a:rPr b="0" lang="en-US" sz="2200" spc="-1" strike="noStrike">
-                <a:solidFill>
-                  <a:srgbClr val="1c1c1c"/>
-                </a:solidFill>
-                <a:uFill>
-                  <a:solidFill>
-                    <a:srgbClr val="ffffff"/>
-                  </a:solidFill>
-                </a:uFill>
-                <a:latin typeface="Source Sans Pro Light"/>
-              </a:rPr>
-              <a:t>nch</a:t>
-            </a:r>
-            <a:r>
-              <a:rPr b="0" lang="en-US" sz="2200" spc="-1" strike="noStrike">
-                <a:solidFill>
-                  <a:srgbClr val="1c1c1c"/>
-                </a:solidFill>
-                <a:uFill>
-                  <a:solidFill>
-                    <a:srgbClr val="ffffff"/>
-                  </a:solidFill>
-                </a:uFill>
-                <a:latin typeface="Source Sans Pro Light"/>
-              </a:rPr>
-              <a:t>ron</a:t>
-            </a:r>
-            <a:r>
-              <a:rPr b="0" lang="en-US" sz="2200" spc="-1" strike="noStrike">
-                <a:solidFill>
-                  <a:srgbClr val="1c1c1c"/>
-                </a:solidFill>
-                <a:uFill>
-                  <a:solidFill>
-                    <a:srgbClr val="ffffff"/>
-                  </a:solidFill>
-                </a:uFill>
-                <a:latin typeface="Source Sans Pro Light"/>
-              </a:rPr>
-              <a:t>ous </a:t>
-            </a:r>
-            <a:r>
-              <a:rPr b="0" lang="en-US" sz="2200" spc="-1" strike="noStrike">
-                <a:solidFill>
-                  <a:srgbClr val="1c1c1c"/>
-                </a:solidFill>
-                <a:uFill>
-                  <a:solidFill>
-                    <a:srgbClr val="ffffff"/>
-                  </a:solidFill>
-                </a:uFill>
-                <a:latin typeface="Source Sans Pro Light"/>
-              </a:rPr>
-              <a:t>Met</a:t>
-            </a:r>
-            <a:r>
-              <a:rPr b="0" lang="en-US" sz="2200" spc="-1" strike="noStrike">
-                <a:solidFill>
-                  <a:srgbClr val="1c1c1c"/>
-                </a:solidFill>
-                <a:uFill>
-                  <a:solidFill>
-                    <a:srgbClr val="ffffff"/>
-                  </a:solidFill>
-                </a:uFill>
-                <a:latin typeface="Source Sans Pro Light"/>
-              </a:rPr>
-              <a:t>hod</a:t>
-            </a:r>
-            <a:r>
-              <a:rPr b="0" lang="en-US" sz="2200" spc="-1" strike="noStrike">
-                <a:solidFill>
-                  <a:srgbClr val="1c1c1c"/>
-                </a:solidFill>
-                <a:uFill>
-                  <a:solidFill>
-                    <a:srgbClr val="ffffff"/>
-                  </a:solidFill>
-                </a:uFill>
-                <a:latin typeface="Source Sans Pro Light"/>
-              </a:rPr>
-              <a:t>s </a:t>
-            </a:r>
-            <a:r>
-              <a:rPr b="0" lang="en-US" sz="2200" spc="-1" strike="noStrike">
-                <a:solidFill>
-                  <a:srgbClr val="1c1c1c"/>
-                </a:solidFill>
-                <a:uFill>
-                  <a:solidFill>
-                    <a:srgbClr val="ffffff"/>
-                  </a:solidFill>
-                </a:uFill>
-                <a:latin typeface="Source Sans Pro Light"/>
-              </a:rPr>
-              <a:t>for </a:t>
-            </a:r>
-            <a:r>
-              <a:rPr b="0" lang="en-US" sz="2200" spc="-1" strike="noStrike">
-                <a:solidFill>
-                  <a:srgbClr val="1c1c1c"/>
-                </a:solidFill>
-                <a:uFill>
-                  <a:solidFill>
-                    <a:srgbClr val="ffffff"/>
-                  </a:solidFill>
-                </a:uFill>
-                <a:latin typeface="Source Sans Pro Light"/>
-              </a:rPr>
-              <a:t>De</a:t>
-            </a:r>
-            <a:r>
-              <a:rPr b="0" lang="en-US" sz="2200" spc="-1" strike="noStrike">
-                <a:solidFill>
-                  <a:srgbClr val="1c1c1c"/>
-                </a:solidFill>
-                <a:uFill>
-                  <a:solidFill>
-                    <a:srgbClr val="ffffff"/>
-                  </a:solidFill>
-                </a:uFill>
-                <a:latin typeface="Source Sans Pro Light"/>
-              </a:rPr>
-              <a:t>ep </a:t>
-            </a:r>
-            <a:r>
-              <a:rPr b="0" lang="en-US" sz="2200" spc="-1" strike="noStrike">
-                <a:solidFill>
-                  <a:srgbClr val="1c1c1c"/>
-                </a:solidFill>
-                <a:uFill>
-                  <a:solidFill>
-                    <a:srgbClr val="ffffff"/>
-                  </a:solidFill>
-                </a:uFill>
-                <a:latin typeface="Source Sans Pro Light"/>
-              </a:rPr>
-              <a:t>Rei</a:t>
-            </a:r>
-            <a:r>
-              <a:rPr b="0" lang="en-US" sz="2200" spc="-1" strike="noStrike">
-                <a:solidFill>
-                  <a:srgbClr val="1c1c1c"/>
-                </a:solidFill>
-                <a:uFill>
-                  <a:solidFill>
-                    <a:srgbClr val="ffffff"/>
-                  </a:solidFill>
-                </a:uFill>
-                <a:latin typeface="Source Sans Pro Light"/>
-              </a:rPr>
-              <a:t>nfor</a:t>
-            </a:r>
-            <a:r>
-              <a:rPr b="0" lang="en-US" sz="2200" spc="-1" strike="noStrike">
-                <a:solidFill>
-                  <a:srgbClr val="1c1c1c"/>
-                </a:solidFill>
-                <a:uFill>
-                  <a:solidFill>
-                    <a:srgbClr val="ffffff"/>
-                  </a:solidFill>
-                </a:uFill>
-                <a:latin typeface="Source Sans Pro Light"/>
-              </a:rPr>
-              <a:t>ce</a:t>
-            </a:r>
-            <a:r>
-              <a:rPr b="0" lang="en-US" sz="2200" spc="-1" strike="noStrike">
-                <a:solidFill>
-                  <a:srgbClr val="1c1c1c"/>
-                </a:solidFill>
-                <a:uFill>
-                  <a:solidFill>
-                    <a:srgbClr val="ffffff"/>
-                  </a:solidFill>
-                </a:uFill>
-                <a:latin typeface="Source Sans Pro Light"/>
-              </a:rPr>
-              <a:t>me</a:t>
-            </a:r>
-            <a:r>
-              <a:rPr b="0" lang="en-US" sz="2200" spc="-1" strike="noStrike">
-                <a:solidFill>
-                  <a:srgbClr val="1c1c1c"/>
-                </a:solidFill>
-                <a:uFill>
-                  <a:solidFill>
-                    <a:srgbClr val="ffffff"/>
-                  </a:solidFill>
-                </a:uFill>
-                <a:latin typeface="Source Sans Pro Light"/>
-              </a:rPr>
-              <a:t>nt </a:t>
-            </a:r>
-            <a:r>
-              <a:rPr b="0" lang="en-US" sz="2200" spc="-1" strike="noStrike">
-                <a:solidFill>
-                  <a:srgbClr val="1c1c1c"/>
-                </a:solidFill>
-                <a:uFill>
-                  <a:solidFill>
-                    <a:srgbClr val="ffffff"/>
-                  </a:solidFill>
-                </a:uFill>
-                <a:latin typeface="Source Sans Pro Light"/>
-              </a:rPr>
-              <a:t>Lea</a:t>
-            </a:r>
-            <a:r>
-              <a:rPr b="0" lang="en-US" sz="2200" spc="-1" strike="noStrike">
-                <a:solidFill>
-                  <a:srgbClr val="1c1c1c"/>
-                </a:solidFill>
-                <a:uFill>
-                  <a:solidFill>
-                    <a:srgbClr val="ffffff"/>
-                  </a:solidFill>
-                </a:uFill>
-                <a:latin typeface="Source Sans Pro Light"/>
-              </a:rPr>
-              <a:t>rini</a:t>
-            </a:r>
-            <a:r>
-              <a:rPr b="0" lang="en-US" sz="2200" spc="-1" strike="noStrike">
-                <a:solidFill>
-                  <a:srgbClr val="1c1c1c"/>
-                </a:solidFill>
-                <a:uFill>
-                  <a:solidFill>
-                    <a:srgbClr val="ffffff"/>
-                  </a:solidFill>
-                </a:uFill>
-                <a:latin typeface="Source Sans Pro Light"/>
-              </a:rPr>
-              <a:t>ng</a:t>
+              <a:t>Asynchronous Methods for Deep Reinforcement Learning</a:t>
             </a:r>
             <a:endParaRPr b="0" lang="en-US" sz="2600" spc="-1" strike="noStrike">
               <a:solidFill>
@@ -11386,6 +9931,300 @@
           <p:childTnLst>
             <p:seq>
               <p:cTn id="26" nodeType="mainSeq"/>
+              <p:prevCondLst>
+                <p:cond delay="0" evt="onPrev">
+                  <p:tgtEl>
+                    <p:sldTgt/>
+                  </p:tgtEl>
+                </p:cond>
+              </p:prevCondLst>
+              <p:nextCondLst>
+                <p:cond delay="0" evt="onNext">
+                  <p:tgtEl>
+                    <p:sldTgt/>
+                  </p:tgtEl>
+                </p:cond>
+              </p:nextCondLst>
+            </p:seq>
+          </p:childTnLst>
+        </p:cTn>
+      </p:par>
+    </p:tnLst>
+  </p:timing>
+</p:sld>
+</file>
+
+<file path=ppt/slides/slide14.xml><?xml version="1.0" encoding="utf-8"?>
+<p:sld xmlns:a="http://schemas.openxmlformats.org/drawingml/2006/main" xmlns:p="http://schemas.openxmlformats.org/presentationml/2006/main" xmlns:r="http://schemas.openxmlformats.org/officeDocument/2006/relationships" xmlns:p14="http://schemas.microsoft.com/office/powerpoint/2010/main" xmlns:p15="http://schemas.microsoft.com/office/powerpoint/2012/main" xmlns:mc="http://schemas.openxmlformats.org/markup-compatibility/2006">
+  <p:cSld>
+    <p:spTree>
+      <p:nvGrpSpPr>
+        <p:cNvPr id="1" name=""/>
+        <p:cNvGrpSpPr/>
+        <p:nvPr/>
+      </p:nvGrpSpPr>
+      <p:grpSpPr>
+        <a:xfrm>
+          <a:off x="0" y="0"/>
+          <a:ext cx="0" cy="0"/>
+          <a:chOff x="0" y="0"/>
+          <a:chExt cx="0" cy="0"/>
+        </a:xfrm>
+      </p:grpSpPr>
+      <p:sp>
+        <p:nvSpPr>
+          <p:cNvPr id="198" name="TextShape 1"/>
+          <p:cNvSpPr txBox="1"/>
+          <p:nvPr/>
+        </p:nvSpPr>
+        <p:spPr>
+          <a:xfrm>
+            <a:off x="360000" y="360000"/>
+            <a:ext cx="9360000" cy="900000"/>
+          </a:xfrm>
+          <a:prstGeom prst="rect">
+            <a:avLst/>
+          </a:prstGeom>
+          <a:noFill/>
+          <a:ln>
+            <a:noFill/>
+          </a:ln>
+        </p:spPr>
+        <p:txBody>
+          <a:bodyPr lIns="0" rIns="0" tIns="0" bIns="0" anchor="b"/>
+          <a:p>
+            <a:r>
+              <a:rPr b="1" lang="en-US" sz="3010" spc="-1" strike="noStrike">
+                <a:solidFill>
+                  <a:srgbClr val="ffffff"/>
+                </a:solidFill>
+                <a:uFill>
+                  <a:solidFill>
+                    <a:srgbClr val="ffffff"/>
+                  </a:solidFill>
+                </a:uFill>
+                <a:latin typeface="Source Sans Pro Black"/>
+              </a:rPr>
+              <a:t>Human-Level Control through Deep Reinforcement Learning (Mnih 2015)</a:t>
+            </a:r>
+            <a:endParaRPr b="1" lang="en-US" sz="3010" spc="-1" strike="noStrike">
+              <a:solidFill>
+                <a:srgbClr val="ffffff"/>
+              </a:solidFill>
+              <a:uFill>
+                <a:solidFill>
+                  <a:srgbClr val="ffffff"/>
+                </a:solidFill>
+              </a:uFill>
+              <a:latin typeface="Source Sans Pro Black"/>
+            </a:endParaRPr>
+          </a:p>
+        </p:txBody>
+      </p:sp>
+      <p:sp>
+        <p:nvSpPr>
+          <p:cNvPr id="199" name="TextShape 2"/>
+          <p:cNvSpPr txBox="1"/>
+          <p:nvPr/>
+        </p:nvSpPr>
+        <p:spPr>
+          <a:xfrm>
+            <a:off x="360000" y="1980000"/>
+            <a:ext cx="9180000" cy="4680000"/>
+          </a:xfrm>
+          <a:prstGeom prst="rect">
+            <a:avLst/>
+          </a:prstGeom>
+          <a:noFill/>
+          <a:ln>
+            <a:noFill/>
+          </a:ln>
+        </p:spPr>
+        <p:txBody>
+          <a:bodyPr lIns="0" rIns="0" tIns="0" bIns="0"/>
+          <a:p>
+            <a:pPr/>
+            <a:r>
+              <a:rPr b="1" i="1" lang="en-US" sz="2600" spc="-1" strike="noStrike">
+                <a:solidFill>
+                  <a:srgbClr val="1c1c1c"/>
+                </a:solidFill>
+                <a:uFill>
+                  <a:solidFill>
+                    <a:srgbClr val="ffffff"/>
+                  </a:solidFill>
+                </a:uFill>
+                <a:latin typeface="Source Sans Pro Semibold"/>
+              </a:rPr>
+              <a:t>Nature </a:t>
+            </a:r>
+            <a:r>
+              <a:rPr b="1" lang="en-US" sz="2600" spc="-1" strike="noStrike">
+                <a:solidFill>
+                  <a:srgbClr val="1c1c1c"/>
+                </a:solidFill>
+                <a:uFill>
+                  <a:solidFill>
+                    <a:srgbClr val="ffffff"/>
+                  </a:solidFill>
+                </a:uFill>
+                <a:latin typeface="Source Sans Pro Semibold"/>
+              </a:rPr>
+              <a:t>version of DQN</a:t>
+            </a:r>
+            <a:endParaRPr b="1" i="1" lang="en-US" sz="2600" spc="-1" strike="noStrike">
+              <a:solidFill>
+                <a:srgbClr val="1c1c1c"/>
+              </a:solidFill>
+              <a:uFill>
+                <a:solidFill>
+                  <a:srgbClr val="ffffff"/>
+                </a:solidFill>
+              </a:uFill>
+              <a:latin typeface="Source Sans Pro Semibold"/>
+            </a:endParaRPr>
+          </a:p>
+          <a:p>
+            <a:pPr lvl="1" marL="288000">
+              <a:buClr>
+                <a:srgbClr val="000000"/>
+              </a:buClr>
+              <a:buFont typeface="StarSymbol"/>
+              <a:buAutoNum type="arabicPeriod"/>
+            </a:pPr>
+            <a:r>
+              <a:rPr b="0" lang="en-US" sz="2200" spc="-1" strike="noStrike">
+                <a:solidFill>
+                  <a:srgbClr val="1c1c1c"/>
+                </a:solidFill>
+                <a:uFill>
+                  <a:solidFill>
+                    <a:srgbClr val="ffffff"/>
+                  </a:solidFill>
+                </a:uFill>
+                <a:latin typeface="Source Sans Pro Light"/>
+              </a:rPr>
+              <a:t> </a:t>
+            </a:r>
+            <a:r>
+              <a:rPr b="0" lang="en-US" sz="2200" spc="-1" strike="noStrike">
+                <a:solidFill>
+                  <a:srgbClr val="1c1c1c"/>
+                </a:solidFill>
+                <a:uFill>
+                  <a:solidFill>
+                    <a:srgbClr val="ffffff"/>
+                  </a:solidFill>
+                </a:uFill>
+                <a:latin typeface="Source Sans Pro Light"/>
+              </a:rPr>
+              <a:t>Network has additional layers</a:t>
+            </a:r>
+            <a:endParaRPr b="0" lang="en-US" sz="2200" spc="-1" strike="noStrike">
+              <a:solidFill>
+                <a:srgbClr val="1c1c1c"/>
+              </a:solidFill>
+              <a:uFill>
+                <a:solidFill>
+                  <a:srgbClr val="ffffff"/>
+                </a:solidFill>
+              </a:uFill>
+              <a:latin typeface="Source Sans Pro Light"/>
+            </a:endParaRPr>
+          </a:p>
+          <a:p>
+            <a:pPr lvl="1" marL="288000">
+              <a:buClr>
+                <a:srgbClr val="000000"/>
+              </a:buClr>
+              <a:buFont typeface="StarSymbol"/>
+              <a:buAutoNum type="arabicPeriod"/>
+            </a:pPr>
+            <a:r>
+              <a:rPr b="0" lang="en-US" sz="2200" spc="-1" strike="noStrike">
+                <a:solidFill>
+                  <a:srgbClr val="1c1c1c"/>
+                </a:solidFill>
+                <a:uFill>
+                  <a:solidFill>
+                    <a:srgbClr val="ffffff"/>
+                  </a:solidFill>
+                </a:uFill>
+                <a:latin typeface="Source Sans Pro Light"/>
+              </a:rPr>
+              <a:t> </a:t>
+            </a:r>
+            <a:r>
+              <a:rPr b="0" lang="en-US" sz="2200" spc="-1" strike="noStrike">
+                <a:solidFill>
+                  <a:srgbClr val="1c1c1c"/>
+                </a:solidFill>
+                <a:uFill>
+                  <a:solidFill>
+                    <a:srgbClr val="ffffff"/>
+                  </a:solidFill>
+                </a:uFill>
+                <a:latin typeface="Source Sans Pro Light"/>
+              </a:rPr>
+              <a:t>Introduction of target Q-network</a:t>
+            </a:r>
+            <a:endParaRPr b="0" lang="en-US" sz="2200" spc="-1" strike="noStrike">
+              <a:solidFill>
+                <a:srgbClr val="1c1c1c"/>
+              </a:solidFill>
+              <a:uFill>
+                <a:solidFill>
+                  <a:srgbClr val="ffffff"/>
+                </a:solidFill>
+              </a:uFill>
+              <a:latin typeface="Source Sans Pro Light"/>
+            </a:endParaRPr>
+          </a:p>
+          <a:p>
+            <a:pPr lvl="1" marL="288000">
+              <a:buClr>
+                <a:srgbClr val="000000"/>
+              </a:buClr>
+              <a:buFont typeface="StarSymbol"/>
+              <a:buAutoNum type="arabicPeriod"/>
+            </a:pPr>
+            <a:r>
+              <a:rPr b="0" lang="en-US" sz="2200" spc="-1" strike="noStrike">
+                <a:solidFill>
+                  <a:srgbClr val="1c1c1c"/>
+                </a:solidFill>
+                <a:uFill>
+                  <a:solidFill>
+                    <a:srgbClr val="ffffff"/>
+                  </a:solidFill>
+                </a:uFill>
+                <a:latin typeface="Source Sans Pro Light"/>
+              </a:rPr>
+              <a:t> </a:t>
+            </a:r>
+            <a:endParaRPr b="0" lang="en-US" sz="2200" spc="-1" strike="noStrike">
+              <a:solidFill>
+                <a:srgbClr val="1c1c1c"/>
+              </a:solidFill>
+              <a:uFill>
+                <a:solidFill>
+                  <a:srgbClr val="ffffff"/>
+                </a:solidFill>
+              </a:uFill>
+              <a:latin typeface="Source Sans Pro Light"/>
+            </a:endParaRPr>
+          </a:p>
+        </p:txBody>
+      </p:sp>
+    </p:spTree>
+  </p:cSld>
+  <p:timing>
+    <p:tnLst>
+      <p:par>
+        <p:cTn id="27" dur="indefinite" restart="never" nodeType="tmRoot">
+          <p:childTnLst>
+            <p:seq>
+              <p:cTn id="28" nodeType="mainSeq"/>
               <p:prevCondLst>
                 <p:cond delay="0" evt="onPrev">
                   <p:tgtEl>
